--- a/Gitlet.pptx
+++ b/Gitlet.pptx
@@ -8387,7 +8387,7 @@
       </p:sp>
       <p:pic>
         <p:nvPicPr>
-          <p:cNvPr id="3" name="图片 2"/>
+          <p:cNvPr id="2" name="图片 1"/>
           <p:cNvPicPr>
             <a:picLocks noChangeAspect="1"/>
           </p:cNvPicPr>
@@ -8415,8 +8415,8 @@
         </p:blipFill>
         <p:spPr>
           <a:xfrm>
-            <a:off x="1547495" y="-55880"/>
-            <a:ext cx="9218295" cy="6518910"/>
+            <a:off x="1487170" y="-74295"/>
+            <a:ext cx="9218295" cy="6519545"/>
           </a:xfrm>
           <a:prstGeom prst="rect">
             <a:avLst/>
@@ -10652,7 +10652,7 @@
                             <a:srgbClr val="737373"/>
                           </a:solidFill>
                         </a:rPr>
-                        <a:t>aa</a:t>
+                        <a:t>bb</a:t>
                       </a:r>
                       <a:endParaRPr lang="en-US" altLang="zh-CN">
                         <a:ln>
@@ -14037,7 +14037,7 @@
                             <a:srgbClr val="737373"/>
                           </a:solidFill>
                         </a:rPr>
-                        <a:t>: 44</a:t>
+                        <a:t>: 4</a:t>
                       </a:r>
                       <a:endParaRPr lang="en-US" altLang="zh-CN">
                         <a:ln>
